--- a/Slides/3.KRY-ANLP_1Kasim.pptx
+++ b/Slides/3.KRY-ANLP_1Kasim.pptx
@@ -5,7 +5,7 @@
     <p:sldMasterId id="2147483648" r:id="rId1"/>
   </p:sldMasterIdLst>
   <p:notesMasterIdLst>
-    <p:notesMasterId r:id="rId23"/>
+    <p:notesMasterId r:id="rId18"/>
   </p:notesMasterIdLst>
   <p:sldIdLst>
     <p:sldId id="405" r:id="rId2"/>
@@ -23,12 +23,7 @@
     <p:sldId id="417" r:id="rId14"/>
     <p:sldId id="419" r:id="rId15"/>
     <p:sldId id="418" r:id="rId16"/>
-    <p:sldId id="422" r:id="rId17"/>
-    <p:sldId id="423" r:id="rId18"/>
-    <p:sldId id="424" r:id="rId19"/>
-    <p:sldId id="425" r:id="rId20"/>
-    <p:sldId id="420" r:id="rId21"/>
-    <p:sldId id="421" r:id="rId22"/>
+    <p:sldId id="420" r:id="rId17"/>
   </p:sldIdLst>
   <p:sldSz cx="12192000" cy="6858000"/>
   <p:notesSz cx="6858000" cy="9144000"/>
@@ -217,7 +212,7 @@
           <a:p>
             <a:fld id="{CDF7A3D4-56E4-4B41-920A-4207B7313A59}" type="datetimeFigureOut">
               <a:rPr lang="en-TR" smtClean="0"/>
-              <a:t>1.11.2023</a:t>
+              <a:t>8.11.2023</a:t>
             </a:fld>
             <a:endParaRPr lang="en-TR"/>
           </a:p>
@@ -799,9 +794,129 @@
                 <a:effectLst/>
                 <a:latin typeface="Public Sans"/>
               </a:rPr>
-              <a:t>what you are trying to optimize for</a:t>
-            </a:r>
-            <a:endParaRPr lang="en-US" dirty="0"/>
+              <a:t>what you are trying to optimize </a:t>
+            </a:r>
+            <a:r>
+              <a:rPr lang="en-US" b="0" i="1" dirty="0" err="1">
+                <a:solidFill>
+                  <a:srgbClr val="3A3A3A"/>
+                </a:solidFill>
+                <a:effectLst/>
+                <a:latin typeface="Public Sans"/>
+              </a:rPr>
+              <a:t>fo</a:t>
+            </a:r>
+            <a:endParaRPr lang="en-US" b="0" i="1" dirty="0">
+              <a:solidFill>
+                <a:srgbClr val="3A3A3A"/>
+              </a:solidFill>
+              <a:effectLst/>
+              <a:latin typeface="Public Sans"/>
+            </a:endParaRPr>
+          </a:p>
+          <a:p>
+            <a:r>
+              <a:rPr lang="en-US" b="0" i="1" dirty="0">
+                <a:solidFill>
+                  <a:srgbClr val="3A3A3A"/>
+                </a:solidFill>
+                <a:effectLst/>
+                <a:latin typeface="Public Sans"/>
+              </a:rPr>
+              <a:t>r</a:t>
+            </a:r>
+          </a:p>
+          <a:p>
+            <a:r>
+              <a:rPr lang="en-US" b="0" i="1" dirty="0">
+                <a:solidFill>
+                  <a:srgbClr val="3A3A3A"/>
+                </a:solidFill>
+                <a:effectLst/>
+                <a:latin typeface="Public Sans"/>
+              </a:rPr>
+              <a:t>Bilgi </a:t>
+            </a:r>
+            <a:r>
+              <a:rPr lang="en-US" b="0" i="1" dirty="0" err="1">
+                <a:solidFill>
+                  <a:srgbClr val="3A3A3A"/>
+                </a:solidFill>
+                <a:effectLst/>
+                <a:latin typeface="Public Sans"/>
+              </a:rPr>
+              <a:t>teknolojiler</a:t>
+            </a:r>
+            <a:r>
+              <a:rPr lang="en-US" b="0" i="1" dirty="0">
+                <a:solidFill>
+                  <a:srgbClr val="3A3A3A"/>
+                </a:solidFill>
+                <a:effectLst/>
+                <a:latin typeface="Public Sans"/>
+              </a:rPr>
+              <a:t> </a:t>
+            </a:r>
+            <a:r>
+              <a:rPr lang="en-US" b="0" i="1" dirty="0" err="1">
+                <a:solidFill>
+                  <a:srgbClr val="3A3A3A"/>
+                </a:solidFill>
+                <a:effectLst/>
+                <a:latin typeface="Public Sans"/>
+              </a:rPr>
+              <a:t>ve</a:t>
+            </a:r>
+            <a:r>
+              <a:rPr lang="en-US" b="0" i="1" dirty="0">
+                <a:solidFill>
+                  <a:srgbClr val="3A3A3A"/>
+                </a:solidFill>
+                <a:effectLst/>
+                <a:latin typeface="Public Sans"/>
+              </a:rPr>
+              <a:t> </a:t>
+            </a:r>
+            <a:r>
+              <a:rPr lang="en-US" b="0" i="1" dirty="0" err="1">
+                <a:solidFill>
+                  <a:srgbClr val="3A3A3A"/>
+                </a:solidFill>
+                <a:effectLst/>
+                <a:latin typeface="Public Sans"/>
+              </a:rPr>
+              <a:t>arge</a:t>
+            </a:r>
+            <a:r>
+              <a:rPr lang="en-US" b="0" i="1" dirty="0">
+                <a:solidFill>
+                  <a:srgbClr val="3A3A3A"/>
+                </a:solidFill>
+                <a:effectLst/>
+                <a:latin typeface="Public Sans"/>
+              </a:rPr>
+              <a:t> </a:t>
+            </a:r>
+            <a:r>
+              <a:rPr lang="en-US" b="0" i="1" dirty="0" err="1">
+                <a:solidFill>
+                  <a:srgbClr val="3A3A3A"/>
+                </a:solidFill>
+                <a:effectLst/>
+                <a:latin typeface="Public Sans"/>
+              </a:rPr>
+              <a:t>için</a:t>
+            </a:r>
+            <a:r>
+              <a:rPr lang="en-US" b="0" i="1" dirty="0">
+                <a:solidFill>
+                  <a:srgbClr val="3A3A3A"/>
+                </a:solidFill>
+                <a:effectLst/>
+                <a:latin typeface="Public Sans"/>
+              </a:rPr>
+              <a:t>-&gt;</a:t>
+            </a:r>
           </a:p>
         </p:txBody>
       </p:sp>
@@ -1164,42 +1279,7 @@
           <a:bodyPr/>
           <a:lstStyle/>
           <a:p>
-            <a:r>
-              <a:rPr lang="en-US" dirty="0"/>
-              <a:t>2015 </a:t>
-            </a:r>
-            <a:r>
-              <a:rPr lang="en-US" dirty="0" err="1"/>
-              <a:t>yılında</a:t>
-            </a:r>
-            <a:r>
-              <a:rPr lang="en-US" dirty="0"/>
-              <a:t> google </a:t>
-            </a:r>
-            <a:r>
-              <a:rPr lang="en-US" dirty="0" err="1"/>
-              <a:t>lu</a:t>
-            </a:r>
-            <a:r>
-              <a:rPr lang="en-US" dirty="0"/>
-              <a:t> </a:t>
-            </a:r>
-            <a:r>
-              <a:rPr lang="en-US" dirty="0" err="1"/>
-              <a:t>bir</a:t>
-            </a:r>
-            <a:r>
-              <a:rPr lang="en-US" dirty="0"/>
-              <a:t> </a:t>
-            </a:r>
-            <a:r>
-              <a:rPr lang="en-US" dirty="0" err="1"/>
-              <a:t>mühendis</a:t>
-            </a:r>
-            <a:r>
-              <a:rPr lang="en-US" dirty="0"/>
-              <a:t>..</a:t>
-            </a:r>
+            <a:endParaRPr lang="en-US"/>
           </a:p>
         </p:txBody>
       </p:sp>
@@ -1229,340 +1309,7 @@
     </p:spTree>
     <p:extLst>
       <p:ext uri="{BB962C8B-B14F-4D97-AF65-F5344CB8AC3E}">
-        <p14:creationId xmlns:p14="http://schemas.microsoft.com/office/powerpoint/2010/main" val="2594152690"/>
-      </p:ext>
-    </p:extLst>
-  </p:cSld>
-  <p:clrMapOvr>
-    <a:masterClrMapping/>
-  </p:clrMapOvr>
-</p:notes>
-</file>
-
-<file path=ppt/notesSlides/notesSlide17.xml><?xml version="1.0" encoding="utf-8"?>
-<p:notes xmlns:a="http://schemas.openxmlformats.org/drawingml/2006/main" xmlns:r="http://schemas.openxmlformats.org/officeDocument/2006/relationships" xmlns:p="http://schemas.openxmlformats.org/presentationml/2006/main">
-  <p:cSld>
-    <p:spTree>
-      <p:nvGrpSpPr>
-        <p:cNvPr id="1" name=""/>
-        <p:cNvGrpSpPr/>
-        <p:nvPr/>
-      </p:nvGrpSpPr>
-      <p:grpSpPr>
-        <a:xfrm>
-          <a:off x="0" y="0"/>
-          <a:ext cx="0" cy="0"/>
-          <a:chOff x="0" y="0"/>
-          <a:chExt cx="0" cy="0"/>
-        </a:xfrm>
-      </p:grpSpPr>
-      <p:sp>
-        <p:nvSpPr>
-          <p:cNvPr id="2" name="Slide Image Placeholder 1"/>
-          <p:cNvSpPr>
-            <a:spLocks noGrp="1" noRot="1" noChangeAspect="1"/>
-          </p:cNvSpPr>
-          <p:nvPr>
-            <p:ph type="sldImg"/>
-          </p:nvPr>
-        </p:nvSpPr>
-        <p:spPr/>
-      </p:sp>
-      <p:sp>
-        <p:nvSpPr>
-          <p:cNvPr id="3" name="Notes Placeholder 2"/>
-          <p:cNvSpPr>
-            <a:spLocks noGrp="1"/>
-          </p:cNvSpPr>
-          <p:nvPr>
-            <p:ph type="body" idx="1"/>
-          </p:nvPr>
-        </p:nvSpPr>
-        <p:spPr/>
-        <p:txBody>
-          <a:bodyPr/>
-          <a:lstStyle/>
-          <a:p>
-            <a:r>
-              <a:rPr lang="en-US" dirty="0"/>
-              <a:t>Bir </a:t>
-            </a:r>
-            <a:r>
-              <a:rPr lang="en-US" dirty="0" err="1"/>
-              <a:t>sürü</a:t>
-            </a:r>
-            <a:r>
-              <a:rPr lang="en-US" dirty="0"/>
-              <a:t> text preprocessing </a:t>
-            </a:r>
-            <a:r>
-              <a:rPr lang="en-US" dirty="0" err="1"/>
-              <a:t>tyapıyoruz</a:t>
-            </a:r>
-            <a:r>
-              <a:rPr lang="en-US" dirty="0"/>
-              <a:t> feature extraction </a:t>
-            </a:r>
-            <a:r>
-              <a:rPr lang="en-US" dirty="0" err="1"/>
-              <a:t>filan</a:t>
-            </a:r>
-            <a:r>
-              <a:rPr lang="en-US" dirty="0"/>
-              <a:t> da..</a:t>
-            </a:r>
-          </a:p>
-        </p:txBody>
-      </p:sp>
-      <p:sp>
-        <p:nvSpPr>
-          <p:cNvPr id="4" name="Slide Number Placeholder 3"/>
-          <p:cNvSpPr>
-            <a:spLocks noGrp="1"/>
-          </p:cNvSpPr>
-          <p:nvPr>
-            <p:ph type="sldNum" sz="quarter" idx="10"/>
-          </p:nvPr>
-        </p:nvSpPr>
-        <p:spPr/>
-        <p:txBody>
-          <a:bodyPr/>
-          <a:lstStyle/>
-          <a:p>
-            <a:fld id="{78DB07BF-2576-D140-9F34-ADCACCA99E93}" type="slidenum">
-              <a:rPr lang="en-US" smtClean="0"/>
-              <a:t>17</a:t>
-            </a:fld>
-            <a:endParaRPr lang="en-US"/>
-          </a:p>
-        </p:txBody>
-      </p:sp>
-    </p:spTree>
-    <p:extLst>
-      <p:ext uri="{BB962C8B-B14F-4D97-AF65-F5344CB8AC3E}">
-        <p14:creationId xmlns:p14="http://schemas.microsoft.com/office/powerpoint/2010/main" val="2481679460"/>
-      </p:ext>
-    </p:extLst>
-  </p:cSld>
-  <p:clrMapOvr>
-    <a:masterClrMapping/>
-  </p:clrMapOvr>
-</p:notes>
-</file>
-
-<file path=ppt/notesSlides/notesSlide18.xml><?xml version="1.0" encoding="utf-8"?>
-<p:notes xmlns:a="http://schemas.openxmlformats.org/drawingml/2006/main" xmlns:r="http://schemas.openxmlformats.org/officeDocument/2006/relationships" xmlns:p="http://schemas.openxmlformats.org/presentationml/2006/main">
-  <p:cSld>
-    <p:spTree>
-      <p:nvGrpSpPr>
-        <p:cNvPr id="1" name=""/>
-        <p:cNvGrpSpPr/>
-        <p:nvPr/>
-      </p:nvGrpSpPr>
-      <p:grpSpPr>
-        <a:xfrm>
-          <a:off x="0" y="0"/>
-          <a:ext cx="0" cy="0"/>
-          <a:chOff x="0" y="0"/>
-          <a:chExt cx="0" cy="0"/>
-        </a:xfrm>
-      </p:grpSpPr>
-      <p:sp>
-        <p:nvSpPr>
-          <p:cNvPr id="2" name="Slide Image Placeholder 1"/>
-          <p:cNvSpPr>
-            <a:spLocks noGrp="1" noRot="1" noChangeAspect="1"/>
-          </p:cNvSpPr>
-          <p:nvPr>
-            <p:ph type="sldImg"/>
-          </p:nvPr>
-        </p:nvSpPr>
-        <p:spPr/>
-      </p:sp>
-      <p:sp>
-        <p:nvSpPr>
-          <p:cNvPr id="3" name="Notes Placeholder 2"/>
-          <p:cNvSpPr>
-            <a:spLocks noGrp="1"/>
-          </p:cNvSpPr>
-          <p:nvPr>
-            <p:ph type="body" idx="1"/>
-          </p:nvPr>
-        </p:nvSpPr>
-        <p:spPr/>
-        <p:txBody>
-          <a:bodyPr/>
-          <a:lstStyle/>
-          <a:p>
-            <a:r>
-              <a:rPr lang="en-US" dirty="0"/>
-              <a:t>Bir </a:t>
-            </a:r>
-            <a:r>
-              <a:rPr lang="en-US" dirty="0" err="1"/>
-              <a:t>sürü</a:t>
-            </a:r>
-            <a:r>
-              <a:rPr lang="en-US" dirty="0"/>
-              <a:t> text preprocessing </a:t>
-            </a:r>
-            <a:r>
-              <a:rPr lang="en-US" dirty="0" err="1"/>
-              <a:t>tyapıyoruz</a:t>
-            </a:r>
-            <a:r>
-              <a:rPr lang="en-US" dirty="0"/>
-              <a:t> feature extraction </a:t>
-            </a:r>
-            <a:r>
-              <a:rPr lang="en-US" dirty="0" err="1"/>
-              <a:t>filan</a:t>
-            </a:r>
-            <a:r>
-              <a:rPr lang="en-US" dirty="0"/>
-              <a:t> da..</a:t>
-            </a:r>
-          </a:p>
-        </p:txBody>
-      </p:sp>
-      <p:sp>
-        <p:nvSpPr>
-          <p:cNvPr id="4" name="Slide Number Placeholder 3"/>
-          <p:cNvSpPr>
-            <a:spLocks noGrp="1"/>
-          </p:cNvSpPr>
-          <p:nvPr>
-            <p:ph type="sldNum" sz="quarter" idx="10"/>
-          </p:nvPr>
-        </p:nvSpPr>
-        <p:spPr/>
-        <p:txBody>
-          <a:bodyPr/>
-          <a:lstStyle/>
-          <a:p>
-            <a:fld id="{78DB07BF-2576-D140-9F34-ADCACCA99E93}" type="slidenum">
-              <a:rPr lang="en-US" smtClean="0"/>
-              <a:t>18</a:t>
-            </a:fld>
-            <a:endParaRPr lang="en-US"/>
-          </a:p>
-        </p:txBody>
-      </p:sp>
-    </p:spTree>
-    <p:extLst>
-      <p:ext uri="{BB962C8B-B14F-4D97-AF65-F5344CB8AC3E}">
-        <p14:creationId xmlns:p14="http://schemas.microsoft.com/office/powerpoint/2010/main" val="1079114355"/>
-      </p:ext>
-    </p:extLst>
-  </p:cSld>
-  <p:clrMapOvr>
-    <a:masterClrMapping/>
-  </p:clrMapOvr>
-</p:notes>
-</file>
-
-<file path=ppt/notesSlides/notesSlide19.xml><?xml version="1.0" encoding="utf-8"?>
-<p:notes xmlns:a="http://schemas.openxmlformats.org/drawingml/2006/main" xmlns:r="http://schemas.openxmlformats.org/officeDocument/2006/relationships" xmlns:p="http://schemas.openxmlformats.org/presentationml/2006/main">
-  <p:cSld>
-    <p:spTree>
-      <p:nvGrpSpPr>
-        <p:cNvPr id="1" name=""/>
-        <p:cNvGrpSpPr/>
-        <p:nvPr/>
-      </p:nvGrpSpPr>
-      <p:grpSpPr>
-        <a:xfrm>
-          <a:off x="0" y="0"/>
-          <a:ext cx="0" cy="0"/>
-          <a:chOff x="0" y="0"/>
-          <a:chExt cx="0" cy="0"/>
-        </a:xfrm>
-      </p:grpSpPr>
-      <p:sp>
-        <p:nvSpPr>
-          <p:cNvPr id="2" name="Slide Image Placeholder 1"/>
-          <p:cNvSpPr>
-            <a:spLocks noGrp="1" noRot="1" noChangeAspect="1"/>
-          </p:cNvSpPr>
-          <p:nvPr>
-            <p:ph type="sldImg"/>
-          </p:nvPr>
-        </p:nvSpPr>
-        <p:spPr/>
-      </p:sp>
-      <p:sp>
-        <p:nvSpPr>
-          <p:cNvPr id="3" name="Notes Placeholder 2"/>
-          <p:cNvSpPr>
-            <a:spLocks noGrp="1"/>
-          </p:cNvSpPr>
-          <p:nvPr>
-            <p:ph type="body" idx="1"/>
-          </p:nvPr>
-        </p:nvSpPr>
-        <p:spPr/>
-        <p:txBody>
-          <a:bodyPr/>
-          <a:lstStyle/>
-          <a:p>
-            <a:r>
-              <a:rPr lang="en-US" dirty="0"/>
-              <a:t>Bir </a:t>
-            </a:r>
-            <a:r>
-              <a:rPr lang="en-US" dirty="0" err="1"/>
-              <a:t>sürü</a:t>
-            </a:r>
-            <a:r>
-              <a:rPr lang="en-US" dirty="0"/>
-              <a:t> text preprocessing </a:t>
-            </a:r>
-            <a:r>
-              <a:rPr lang="en-US" dirty="0" err="1"/>
-              <a:t>tyapıyoruz</a:t>
-            </a:r>
-            <a:r>
-              <a:rPr lang="en-US" dirty="0"/>
-              <a:t> feature extraction </a:t>
-            </a:r>
-            <a:r>
-              <a:rPr lang="en-US" dirty="0" err="1"/>
-              <a:t>filan</a:t>
-            </a:r>
-            <a:r>
-              <a:rPr lang="en-US" dirty="0"/>
-              <a:t> da..</a:t>
-            </a:r>
-          </a:p>
-        </p:txBody>
-      </p:sp>
-      <p:sp>
-        <p:nvSpPr>
-          <p:cNvPr id="4" name="Slide Number Placeholder 3"/>
-          <p:cNvSpPr>
-            <a:spLocks noGrp="1"/>
-          </p:cNvSpPr>
-          <p:nvPr>
-            <p:ph type="sldNum" sz="quarter" idx="10"/>
-          </p:nvPr>
-        </p:nvSpPr>
-        <p:spPr/>
-        <p:txBody>
-          <a:bodyPr/>
-          <a:lstStyle/>
-          <a:p>
-            <a:fld id="{78DB07BF-2576-D140-9F34-ADCACCA99E93}" type="slidenum">
-              <a:rPr lang="en-US" smtClean="0"/>
-              <a:t>19</a:t>
-            </a:fld>
-            <a:endParaRPr lang="en-US"/>
-          </a:p>
-        </p:txBody>
-      </p:sp>
-    </p:spTree>
-    <p:extLst>
-      <p:ext uri="{BB962C8B-B14F-4D97-AF65-F5344CB8AC3E}">
-        <p14:creationId xmlns:p14="http://schemas.microsoft.com/office/powerpoint/2010/main" val="3929079507"/>
+        <p14:creationId xmlns:p14="http://schemas.microsoft.com/office/powerpoint/2010/main" val="2147653494"/>
       </p:ext>
     </p:extLst>
   </p:cSld>
@@ -1647,174 +1394,6 @@
     <p:extLst>
       <p:ext uri="{BB962C8B-B14F-4D97-AF65-F5344CB8AC3E}">
         <p14:creationId xmlns:p14="http://schemas.microsoft.com/office/powerpoint/2010/main" val="27494988"/>
-      </p:ext>
-    </p:extLst>
-  </p:cSld>
-  <p:clrMapOvr>
-    <a:masterClrMapping/>
-  </p:clrMapOvr>
-</p:notes>
-</file>
-
-<file path=ppt/notesSlides/notesSlide20.xml><?xml version="1.0" encoding="utf-8"?>
-<p:notes xmlns:a="http://schemas.openxmlformats.org/drawingml/2006/main" xmlns:r="http://schemas.openxmlformats.org/officeDocument/2006/relationships" xmlns:p="http://schemas.openxmlformats.org/presentationml/2006/main">
-  <p:cSld>
-    <p:spTree>
-      <p:nvGrpSpPr>
-        <p:cNvPr id="1" name=""/>
-        <p:cNvGrpSpPr/>
-        <p:nvPr/>
-      </p:nvGrpSpPr>
-      <p:grpSpPr>
-        <a:xfrm>
-          <a:off x="0" y="0"/>
-          <a:ext cx="0" cy="0"/>
-          <a:chOff x="0" y="0"/>
-          <a:chExt cx="0" cy="0"/>
-        </a:xfrm>
-      </p:grpSpPr>
-      <p:sp>
-        <p:nvSpPr>
-          <p:cNvPr id="2" name="Slide Image Placeholder 1"/>
-          <p:cNvSpPr>
-            <a:spLocks noGrp="1" noRot="1" noChangeAspect="1"/>
-          </p:cNvSpPr>
-          <p:nvPr>
-            <p:ph type="sldImg"/>
-          </p:nvPr>
-        </p:nvSpPr>
-        <p:spPr/>
-      </p:sp>
-      <p:sp>
-        <p:nvSpPr>
-          <p:cNvPr id="3" name="Notes Placeholder 2"/>
-          <p:cNvSpPr>
-            <a:spLocks noGrp="1"/>
-          </p:cNvSpPr>
-          <p:nvPr>
-            <p:ph type="body" idx="1"/>
-          </p:nvPr>
-        </p:nvSpPr>
-        <p:spPr/>
-        <p:txBody>
-          <a:bodyPr/>
-          <a:lstStyle/>
-          <a:p>
-            <a:endParaRPr lang="en-US"/>
-          </a:p>
-        </p:txBody>
-      </p:sp>
-      <p:sp>
-        <p:nvSpPr>
-          <p:cNvPr id="4" name="Slide Number Placeholder 3"/>
-          <p:cNvSpPr>
-            <a:spLocks noGrp="1"/>
-          </p:cNvSpPr>
-          <p:nvPr>
-            <p:ph type="sldNum" sz="quarter" idx="10"/>
-          </p:nvPr>
-        </p:nvSpPr>
-        <p:spPr/>
-        <p:txBody>
-          <a:bodyPr/>
-          <a:lstStyle/>
-          <a:p>
-            <a:fld id="{78DB07BF-2576-D140-9F34-ADCACCA99E93}" type="slidenum">
-              <a:rPr lang="en-US" smtClean="0"/>
-              <a:t>20</a:t>
-            </a:fld>
-            <a:endParaRPr lang="en-US"/>
-          </a:p>
-        </p:txBody>
-      </p:sp>
-    </p:spTree>
-    <p:extLst>
-      <p:ext uri="{BB962C8B-B14F-4D97-AF65-F5344CB8AC3E}">
-        <p14:creationId xmlns:p14="http://schemas.microsoft.com/office/powerpoint/2010/main" val="2147653494"/>
-      </p:ext>
-    </p:extLst>
-  </p:cSld>
-  <p:clrMapOvr>
-    <a:masterClrMapping/>
-  </p:clrMapOvr>
-</p:notes>
-</file>
-
-<file path=ppt/notesSlides/notesSlide21.xml><?xml version="1.0" encoding="utf-8"?>
-<p:notes xmlns:a="http://schemas.openxmlformats.org/drawingml/2006/main" xmlns:r="http://schemas.openxmlformats.org/officeDocument/2006/relationships" xmlns:p="http://schemas.openxmlformats.org/presentationml/2006/main">
-  <p:cSld>
-    <p:spTree>
-      <p:nvGrpSpPr>
-        <p:cNvPr id="1" name=""/>
-        <p:cNvGrpSpPr/>
-        <p:nvPr/>
-      </p:nvGrpSpPr>
-      <p:grpSpPr>
-        <a:xfrm>
-          <a:off x="0" y="0"/>
-          <a:ext cx="0" cy="0"/>
-          <a:chOff x="0" y="0"/>
-          <a:chExt cx="0" cy="0"/>
-        </a:xfrm>
-      </p:grpSpPr>
-      <p:sp>
-        <p:nvSpPr>
-          <p:cNvPr id="2" name="Slide Image Placeholder 1"/>
-          <p:cNvSpPr>
-            <a:spLocks noGrp="1" noRot="1" noChangeAspect="1"/>
-          </p:cNvSpPr>
-          <p:nvPr>
-            <p:ph type="sldImg"/>
-          </p:nvPr>
-        </p:nvSpPr>
-        <p:spPr/>
-      </p:sp>
-      <p:sp>
-        <p:nvSpPr>
-          <p:cNvPr id="3" name="Notes Placeholder 2"/>
-          <p:cNvSpPr>
-            <a:spLocks noGrp="1"/>
-          </p:cNvSpPr>
-          <p:nvPr>
-            <p:ph type="body" idx="1"/>
-          </p:nvPr>
-        </p:nvSpPr>
-        <p:spPr/>
-        <p:txBody>
-          <a:bodyPr/>
-          <a:lstStyle/>
-          <a:p>
-            <a:endParaRPr lang="en-US"/>
-          </a:p>
-        </p:txBody>
-      </p:sp>
-      <p:sp>
-        <p:nvSpPr>
-          <p:cNvPr id="4" name="Slide Number Placeholder 3"/>
-          <p:cNvSpPr>
-            <a:spLocks noGrp="1"/>
-          </p:cNvSpPr>
-          <p:nvPr>
-            <p:ph type="sldNum" sz="quarter" idx="10"/>
-          </p:nvPr>
-        </p:nvSpPr>
-        <p:spPr/>
-        <p:txBody>
-          <a:bodyPr/>
-          <a:lstStyle/>
-          <a:p>
-            <a:fld id="{78DB07BF-2576-D140-9F34-ADCACCA99E93}" type="slidenum">
-              <a:rPr lang="en-US" smtClean="0"/>
-              <a:t>21</a:t>
-            </a:fld>
-            <a:endParaRPr lang="en-US"/>
-          </a:p>
-        </p:txBody>
-      </p:sp>
-    </p:spTree>
-    <p:extLst>
-      <p:ext uri="{BB962C8B-B14F-4D97-AF65-F5344CB8AC3E}">
-        <p14:creationId xmlns:p14="http://schemas.microsoft.com/office/powerpoint/2010/main" val="3073099121"/>
       </p:ext>
     </p:extLst>
   </p:cSld>
@@ -3967,7 +3546,7 @@
           <a:p>
             <a:fld id="{9103C8AC-F847-6148-BF1E-A1B65C7CDFC8}" type="datetimeFigureOut">
               <a:rPr lang="en-TR" smtClean="0"/>
-              <a:t>1.11.2023</a:t>
+              <a:t>8.11.2023</a:t>
             </a:fld>
             <a:endParaRPr lang="en-TR"/>
           </a:p>
@@ -4167,7 +3746,7 @@
           <a:p>
             <a:fld id="{9103C8AC-F847-6148-BF1E-A1B65C7CDFC8}" type="datetimeFigureOut">
               <a:rPr lang="en-TR" smtClean="0"/>
-              <a:t>1.11.2023</a:t>
+              <a:t>8.11.2023</a:t>
             </a:fld>
             <a:endParaRPr lang="en-TR"/>
           </a:p>
@@ -4377,7 +3956,7 @@
           <a:p>
             <a:fld id="{9103C8AC-F847-6148-BF1E-A1B65C7CDFC8}" type="datetimeFigureOut">
               <a:rPr lang="en-TR" smtClean="0"/>
-              <a:t>1.11.2023</a:t>
+              <a:t>8.11.2023</a:t>
             </a:fld>
             <a:endParaRPr lang="en-TR"/>
           </a:p>
@@ -4907,7 +4486,7 @@
           <a:p>
             <a:fld id="{9103C8AC-F847-6148-BF1E-A1B65C7CDFC8}" type="datetimeFigureOut">
               <a:rPr lang="en-TR" smtClean="0"/>
-              <a:t>1.11.2023</a:t>
+              <a:t>8.11.2023</a:t>
             </a:fld>
             <a:endParaRPr lang="en-TR"/>
           </a:p>
@@ -5183,7 +4762,7 @@
           <a:p>
             <a:fld id="{9103C8AC-F847-6148-BF1E-A1B65C7CDFC8}" type="datetimeFigureOut">
               <a:rPr lang="en-TR" smtClean="0"/>
-              <a:t>1.11.2023</a:t>
+              <a:t>8.11.2023</a:t>
             </a:fld>
             <a:endParaRPr lang="en-TR"/>
           </a:p>
@@ -5451,7 +5030,7 @@
           <a:p>
             <a:fld id="{9103C8AC-F847-6148-BF1E-A1B65C7CDFC8}" type="datetimeFigureOut">
               <a:rPr lang="en-TR" smtClean="0"/>
-              <a:t>1.11.2023</a:t>
+              <a:t>8.11.2023</a:t>
             </a:fld>
             <a:endParaRPr lang="en-TR"/>
           </a:p>
@@ -5866,7 +5445,7 @@
           <a:p>
             <a:fld id="{9103C8AC-F847-6148-BF1E-A1B65C7CDFC8}" type="datetimeFigureOut">
               <a:rPr lang="en-TR" smtClean="0"/>
-              <a:t>1.11.2023</a:t>
+              <a:t>8.11.2023</a:t>
             </a:fld>
             <a:endParaRPr lang="en-TR"/>
           </a:p>
@@ -6008,7 +5587,7 @@
           <a:p>
             <a:fld id="{9103C8AC-F847-6148-BF1E-A1B65C7CDFC8}" type="datetimeFigureOut">
               <a:rPr lang="en-TR" smtClean="0"/>
-              <a:t>1.11.2023</a:t>
+              <a:t>8.11.2023</a:t>
             </a:fld>
             <a:endParaRPr lang="en-TR"/>
           </a:p>
@@ -6121,7 +5700,7 @@
           <a:p>
             <a:fld id="{9103C8AC-F847-6148-BF1E-A1B65C7CDFC8}" type="datetimeFigureOut">
               <a:rPr lang="en-TR" smtClean="0"/>
-              <a:t>1.11.2023</a:t>
+              <a:t>8.11.2023</a:t>
             </a:fld>
             <a:endParaRPr lang="en-TR"/>
           </a:p>
@@ -6434,7 +6013,7 @@
           <a:p>
             <a:fld id="{9103C8AC-F847-6148-BF1E-A1B65C7CDFC8}" type="datetimeFigureOut">
               <a:rPr lang="en-TR" smtClean="0"/>
-              <a:t>1.11.2023</a:t>
+              <a:t>8.11.2023</a:t>
             </a:fld>
             <a:endParaRPr lang="en-TR"/>
           </a:p>
@@ -6723,7 +6302,7 @@
           <a:p>
             <a:fld id="{9103C8AC-F847-6148-BF1E-A1B65C7CDFC8}" type="datetimeFigureOut">
               <a:rPr lang="en-TR" smtClean="0"/>
-              <a:t>1.11.2023</a:t>
+              <a:t>8.11.2023</a:t>
             </a:fld>
             <a:endParaRPr lang="en-TR"/>
           </a:p>
@@ -6966,7 +6545,7 @@
           <a:p>
             <a:fld id="{9103C8AC-F847-6148-BF1E-A1B65C7CDFC8}" type="datetimeFigureOut">
               <a:rPr lang="en-TR" smtClean="0"/>
-              <a:t>1.11.2023</a:t>
+              <a:t>8.11.2023</a:t>
             </a:fld>
             <a:endParaRPr lang="en-TR"/>
           </a:p>
@@ -8319,7 +7898,7 @@
         <p:spPr>
           <a:xfrm>
             <a:off x="749730" y="1120676"/>
-            <a:ext cx="10692540" cy="4247317"/>
+            <a:ext cx="10692540" cy="4001095"/>
           </a:xfrm>
           <a:prstGeom prst="rect">
             <a:avLst/>
@@ -8503,62 +8082,6 @@
                 <a:cs typeface="Calibri" panose="020F0502020204030204" pitchFamily="34" charset="0"/>
               </a:rPr>
               <a:t>c. Be creative in handling evaluation obstacles</a:t>
-            </a:r>
-          </a:p>
-          <a:p>
-            <a:pPr marL="742950" lvl="1" indent="-285750">
-              <a:buFont typeface="Arial" panose="020B0604020202020204" pitchFamily="34" charset="0"/>
-              <a:buChar char="•"/>
-            </a:pPr>
-            <a:r>
-              <a:rPr lang="en-US" sz="1600" b="0" i="0" dirty="0">
-                <a:solidFill>
-                  <a:srgbClr val="3A3A3A"/>
-                </a:solidFill>
-                <a:effectLst/>
-                <a:cs typeface="Calibri" panose="020F0502020204030204" pitchFamily="34" charset="0"/>
-              </a:rPr>
-              <a:t>“Bilgi </a:t>
-            </a:r>
-            <a:r>
-              <a:rPr lang="en-US" sz="1600" b="0" i="0" dirty="0" err="1">
-                <a:solidFill>
-                  <a:srgbClr val="3A3A3A"/>
-                </a:solidFill>
-                <a:effectLst/>
-                <a:cs typeface="Calibri" panose="020F0502020204030204" pitchFamily="34" charset="0"/>
-              </a:rPr>
-              <a:t>Teknolojileri</a:t>
-            </a:r>
-            <a:r>
-              <a:rPr lang="en-US" sz="1600" b="0" i="0" dirty="0">
-                <a:solidFill>
-                  <a:srgbClr val="3A3A3A"/>
-                </a:solidFill>
-                <a:effectLst/>
-                <a:cs typeface="Calibri" panose="020F0502020204030204" pitchFamily="34" charset="0"/>
-              </a:rPr>
-              <a:t>” – “</a:t>
-            </a:r>
-            <a:r>
-              <a:rPr lang="en-US" sz="1600" b="0" i="0" dirty="0" err="1">
-                <a:solidFill>
-                  <a:srgbClr val="3A3A3A"/>
-                </a:solidFill>
-                <a:effectLst/>
-                <a:cs typeface="Calibri" panose="020F0502020204030204" pitchFamily="34" charset="0"/>
-              </a:rPr>
-              <a:t>Arge</a:t>
-            </a:r>
-            <a:r>
-              <a:rPr lang="en-US" sz="1600" b="0" i="0" dirty="0">
-                <a:solidFill>
-                  <a:srgbClr val="3A3A3A"/>
-                </a:solidFill>
-                <a:effectLst/>
-                <a:cs typeface="Calibri" panose="020F0502020204030204" pitchFamily="34" charset="0"/>
-              </a:rPr>
-              <a:t>” -&gt; </a:t>
             </a:r>
           </a:p>
           <a:p>
@@ -10570,7 +10093,7 @@
                 <a:ea typeface="Arial" charset="0"/>
                 <a:cs typeface="Arial"/>
               </a:rPr>
-              <a:t>Word2Vec</a:t>
+              <a:t>THE END</a:t>
             </a:r>
             <a:endParaRPr lang="tr-TR" sz="2400" b="1" dirty="0">
               <a:solidFill>
@@ -10584,10 +10107,10 @@
       </p:sp>
       <p:sp>
         <p:nvSpPr>
-          <p:cNvPr id="4" name="TextBox 3">
+          <p:cNvPr id="3" name="TextBox 2">
             <a:extLst>
               <a:ext uri="{FF2B5EF4-FFF2-40B4-BE49-F238E27FC236}">
-                <a16:creationId xmlns:a16="http://schemas.microsoft.com/office/drawing/2014/main" id="{607F2016-1C7E-34BD-11ED-E8CCCF2DDBAF}"/>
+                <a16:creationId xmlns:a16="http://schemas.microsoft.com/office/drawing/2014/main" id="{AFB1884B-C5D1-F45B-3D8A-217080E44F81}"/>
               </a:ext>
             </a:extLst>
           </p:cNvPr>
@@ -10596,8 +10119,8 @@
         </p:nvSpPr>
         <p:spPr>
           <a:xfrm>
-            <a:off x="2154477" y="1142379"/>
-            <a:ext cx="7484300" cy="369332"/>
+            <a:off x="5376672" y="2414016"/>
+            <a:ext cx="1608004" cy="461665"/>
           </a:xfrm>
           <a:prstGeom prst="rect">
             <a:avLst/>
@@ -10605,31 +10128,24 @@
           <a:noFill/>
         </p:spPr>
         <p:txBody>
-          <a:bodyPr wrap="square">
+          <a:bodyPr wrap="none" rtlCol="0">
             <a:spAutoFit/>
           </a:bodyPr>
           <a:lstStyle/>
           <a:p>
             <a:r>
-              <a:rPr lang="en-US" b="0" i="1" dirty="0">
-                <a:solidFill>
-                  <a:srgbClr val="292929"/>
-                </a:solidFill>
-                <a:effectLst/>
-                <a:latin typeface="source-serif-pro"/>
-              </a:rPr>
-              <a:t>“You shall know a word by the company it keeps” — John Rupert Firth</a:t>
-            </a:r>
-            <a:endParaRPr lang="en-TR" dirty="0"/>
-          </a:p>
-        </p:txBody>
-      </p:sp>
-      <p:sp>
-        <p:nvSpPr>
-          <p:cNvPr id="8" name="TextBox 7">
+              <a:rPr lang="en-TR" sz="2400" dirty="0"/>
+              <a:t>HomeWork</a:t>
+            </a:r>
+          </a:p>
+        </p:txBody>
+      </p:sp>
+      <p:sp>
+        <p:nvSpPr>
+          <p:cNvPr id="4" name="TextBox 3">
             <a:extLst>
               <a:ext uri="{FF2B5EF4-FFF2-40B4-BE49-F238E27FC236}">
-                <a16:creationId xmlns:a16="http://schemas.microsoft.com/office/drawing/2014/main" id="{959FE5B0-97C3-1268-FD8C-2094B07E825A}"/>
+                <a16:creationId xmlns:a16="http://schemas.microsoft.com/office/drawing/2014/main" id="{4C2BE697-A410-7FDD-86E0-C4A9EB4D08B0}"/>
               </a:ext>
             </a:extLst>
           </p:cNvPr>
@@ -10638,8 +10154,8 @@
         </p:nvSpPr>
         <p:spPr>
           <a:xfrm>
-            <a:off x="0" y="2023138"/>
-            <a:ext cx="8379911" cy="3139321"/>
+            <a:off x="2417523" y="3244334"/>
+            <a:ext cx="8885959" cy="1200329"/>
           </a:xfrm>
           <a:prstGeom prst="rect">
             <a:avLst/>
@@ -10647,7 +10163,7 @@
           <a:noFill/>
         </p:spPr>
         <p:txBody>
-          <a:bodyPr wrap="square">
+          <a:bodyPr wrap="none" rtlCol="0">
             <a:spAutoFit/>
           </a:bodyPr>
           <a:lstStyle/>
@@ -10657,8 +10173,8 @@
               <a:buChar char="•"/>
             </a:pPr>
             <a:r>
-              <a:rPr lang="en-US" dirty="0"/>
-              <a:t>Fixed size vectors are used where the size of the vector remains constant regardless of the number of unique words in the corpus.</a:t>
+              <a:rPr lang="en-TR" dirty="0"/>
+              <a:t>Download new files ends with _sub.csv</a:t>
             </a:r>
           </a:p>
           <a:p>
@@ -10666,7 +10182,27 @@
               <a:buFont typeface="Arial" panose="020B0604020202020204" pitchFamily="34" charset="0"/>
               <a:buChar char="•"/>
             </a:pPr>
-            <a:endParaRPr lang="en-US" dirty="0"/>
+            <a:r>
+              <a:rPr lang="en-TR" dirty="0"/>
+              <a:t>Your target label -&gt; </a:t>
+            </a:r>
+            <a:r>
+              <a:rPr lang="en-US" sz="1800" dirty="0">
+                <a:solidFill>
+                  <a:srgbClr val="9876AA"/>
+                </a:solidFill>
+                <a:effectLst/>
+                <a:latin typeface="JetBrains Mono"/>
+              </a:rPr>
+              <a:t>sub-classification</a:t>
+            </a:r>
+            <a:endParaRPr lang="en-US" sz="1800" dirty="0">
+              <a:solidFill>
+                <a:srgbClr val="A9B7C6"/>
+              </a:solidFill>
+              <a:effectLst/>
+              <a:latin typeface="JetBrains Mono"/>
+            </a:endParaRPr>
           </a:p>
           <a:p>
             <a:pPr marL="285750" indent="-285750">
@@ -10674,8 +10210,16 @@
               <a:buChar char="•"/>
             </a:pPr>
             <a:r>
-              <a:rPr lang="en-US" dirty="0"/>
-              <a:t>Semantic information is incorporated in the vector representations.</a:t>
+              <a:rPr lang="en-TR" dirty="0"/>
+              <a:t>Send your .ipynb files to me with header “ANLP </a:t>
+            </a:r>
+            <a:r>
+              <a:rPr lang="en-TR"/>
+              <a:t>– Homework 1” until 15 Nov </a:t>
+            </a:r>
+            <a:r>
+              <a:rPr lang="en-TR" dirty="0"/>
+              <a:t>2023 – 11:00</a:t>
             </a:r>
           </a:p>
           <a:p>
@@ -10683,931 +10227,21 @@
               <a:buFont typeface="Arial" panose="020B0604020202020204" pitchFamily="34" charset="0"/>
               <a:buChar char="•"/>
             </a:pPr>
-            <a:endParaRPr lang="en-US" dirty="0"/>
-          </a:p>
-          <a:p>
-            <a:pPr marL="285750" indent="-285750">
-              <a:buFont typeface="Arial" panose="020B0604020202020204" pitchFamily="34" charset="0"/>
-              <a:buChar char="•"/>
-            </a:pPr>
             <a:r>
               <a:rPr lang="en-US" dirty="0"/>
-              <a:t>Word2Vec vectors are highly efficient at grouping similar words together.</a:t>
-            </a:r>
-          </a:p>
-          <a:p>
-            <a:pPr marL="285750" indent="-285750">
-              <a:buFont typeface="Arial" panose="020B0604020202020204" pitchFamily="34" charset="0"/>
-              <a:buChar char="•"/>
-            </a:pPr>
-            <a:endParaRPr lang="en-US" dirty="0"/>
-          </a:p>
-          <a:p>
-            <a:pPr marL="285750" indent="-285750">
-              <a:buFont typeface="Arial" panose="020B0604020202020204" pitchFamily="34" charset="0"/>
-              <a:buChar char="•"/>
-            </a:pPr>
-            <a:r>
-              <a:rPr lang="en-US" dirty="0"/>
-              <a:t>The algorithm estimates the similarity of words based on their position in the corpus.</a:t>
-            </a:r>
-          </a:p>
-          <a:p>
-            <a:pPr marL="285750" indent="-285750">
-              <a:buFont typeface="Arial" panose="020B0604020202020204" pitchFamily="34" charset="0"/>
-              <a:buChar char="•"/>
-            </a:pPr>
-            <a:endParaRPr lang="en-US" dirty="0"/>
-          </a:p>
-          <a:p>
-            <a:pPr marL="285750" indent="-285750">
-              <a:buFont typeface="Arial" panose="020B0604020202020204" pitchFamily="34" charset="0"/>
-              <a:buChar char="•"/>
-            </a:pPr>
-            <a:r>
-              <a:rPr lang="en-US" dirty="0"/>
-              <a:t>Words with similar meanings have similar vector representations. For instance, "Kid" and "Child" are similar words, and their vector representations will be similar.</a:t>
-            </a:r>
-          </a:p>
-        </p:txBody>
-      </p:sp>
-      <p:pic>
-        <p:nvPicPr>
-          <p:cNvPr id="14338" name="Picture 2">
-            <a:extLst>
-              <a:ext uri="{FF2B5EF4-FFF2-40B4-BE49-F238E27FC236}">
-                <a16:creationId xmlns:a16="http://schemas.microsoft.com/office/drawing/2014/main" id="{825D1B55-6778-AA9D-A6A7-C4920284C0A2}"/>
-              </a:ext>
-            </a:extLst>
-          </p:cNvPr>
-          <p:cNvPicPr>
-            <a:picLocks noChangeAspect="1" noChangeArrowheads="1"/>
-          </p:cNvPicPr>
-          <p:nvPr/>
-        </p:nvPicPr>
-        <p:blipFill>
-          <a:blip r:embed="rId3">
-            <a:extLst>
-              <a:ext uri="{28A0092B-C50C-407E-A947-70E740481C1C}">
-                <a14:useLocalDpi xmlns:a14="http://schemas.microsoft.com/office/drawing/2010/main" val="0"/>
-              </a:ext>
-            </a:extLst>
-          </a:blip>
-          <a:srcRect/>
-          <a:stretch>
-            <a:fillRect/>
-          </a:stretch>
-        </p:blipFill>
-        <p:spPr bwMode="auto">
-          <a:xfrm>
-            <a:off x="8791055" y="2023138"/>
-            <a:ext cx="2863631" cy="3152621"/>
-          </a:xfrm>
-          <a:prstGeom prst="rect">
-            <a:avLst/>
-          </a:prstGeom>
-          <a:noFill/>
-          <a:extLst>
-            <a:ext uri="{909E8E84-426E-40DD-AFC4-6F175D3DCCD1}">
-              <a14:hiddenFill xmlns:a14="http://schemas.microsoft.com/office/drawing/2010/main">
-                <a:solidFill>
-                  <a:srgbClr val="FFFFFF"/>
-                </a:solidFill>
-              </a14:hiddenFill>
-            </a:ext>
-          </a:extLst>
-        </p:spPr>
-      </p:pic>
+              <a:t>c</a:t>
+            </a:r>
+            <a:r>
+              <a:rPr lang="en-TR" dirty="0"/>
+              <a:t>an.kara@kariyer.net</a:t>
+            </a:r>
+          </a:p>
+        </p:txBody>
+      </p:sp>
     </p:spTree>
     <p:extLst>
       <p:ext uri="{BB962C8B-B14F-4D97-AF65-F5344CB8AC3E}">
-        <p14:creationId xmlns:p14="http://schemas.microsoft.com/office/powerpoint/2010/main" val="2123755448"/>
-      </p:ext>
-    </p:extLst>
-  </p:cSld>
-  <p:clrMapOvr>
-    <a:masterClrMapping/>
-  </p:clrMapOvr>
-</p:sld>
-</file>
-
-<file path=ppt/slides/slide17.xml><?xml version="1.0" encoding="utf-8"?>
-<p:sld xmlns:a="http://schemas.openxmlformats.org/drawingml/2006/main" xmlns:r="http://schemas.openxmlformats.org/officeDocument/2006/relationships" xmlns:p="http://schemas.openxmlformats.org/presentationml/2006/main">
-  <p:cSld>
-    <p:spTree>
-      <p:nvGrpSpPr>
-        <p:cNvPr id="1" name=""/>
-        <p:cNvGrpSpPr/>
-        <p:nvPr/>
-      </p:nvGrpSpPr>
-      <p:grpSpPr>
-        <a:xfrm>
-          <a:off x="0" y="0"/>
-          <a:ext cx="0" cy="0"/>
-          <a:chOff x="0" y="0"/>
-          <a:chExt cx="0" cy="0"/>
-        </a:xfrm>
-      </p:grpSpPr>
-      <p:sp>
-        <p:nvSpPr>
-          <p:cNvPr id="5" name="Rectangle 4"/>
-          <p:cNvSpPr/>
-          <p:nvPr/>
-        </p:nvSpPr>
-        <p:spPr>
-          <a:xfrm>
-            <a:off x="4155311" y="0"/>
-            <a:ext cx="3865945" cy="81023"/>
-          </a:xfrm>
-          <a:prstGeom prst="rect">
-            <a:avLst/>
-          </a:prstGeom>
-          <a:solidFill>
-            <a:srgbClr val="8316B5"/>
-          </a:solidFill>
-          <a:ln>
-            <a:noFill/>
-          </a:ln>
-        </p:spPr>
-        <p:style>
-          <a:lnRef idx="2">
-            <a:schemeClr val="accent1">
-              <a:shade val="50000"/>
-            </a:schemeClr>
-          </a:lnRef>
-          <a:fillRef idx="1">
-            <a:schemeClr val="accent1"/>
-          </a:fillRef>
-          <a:effectRef idx="0">
-            <a:schemeClr val="accent1"/>
-          </a:effectRef>
-          <a:fontRef idx="minor">
-            <a:schemeClr val="lt1"/>
-          </a:fontRef>
-        </p:style>
-        <p:txBody>
-          <a:bodyPr rtlCol="0" anchor="ctr"/>
-          <a:lstStyle/>
-          <a:p>
-            <a:endParaRPr lang="en-US">
-              <a:solidFill>
-                <a:srgbClr val="8316B5"/>
-              </a:solidFill>
-            </a:endParaRPr>
-          </a:p>
-        </p:txBody>
-      </p:sp>
-      <p:sp>
-        <p:nvSpPr>
-          <p:cNvPr id="2" name="TextBox 1"/>
-          <p:cNvSpPr txBox="1"/>
-          <p:nvPr/>
-        </p:nvSpPr>
-        <p:spPr>
-          <a:xfrm>
-            <a:off x="4052337" y="80688"/>
-            <a:ext cx="4081938" cy="461665"/>
-          </a:xfrm>
-          <a:prstGeom prst="rect">
-            <a:avLst/>
-          </a:prstGeom>
-          <a:noFill/>
-        </p:spPr>
-        <p:txBody>
-          <a:bodyPr wrap="square" lIns="91440" tIns="45720" rIns="91440" bIns="45720" rtlCol="0" anchor="t">
-            <a:spAutoFit/>
-          </a:bodyPr>
-          <a:lstStyle/>
-          <a:p>
-            <a:pPr algn="ctr"/>
-            <a:r>
-              <a:rPr lang="tr-TR" sz="2400" b="1" dirty="0">
-                <a:solidFill>
-                  <a:srgbClr val="8316B5"/>
-                </a:solidFill>
-                <a:ea typeface="Arial" charset="0"/>
-                <a:cs typeface="Arial"/>
-              </a:rPr>
-              <a:t>Word2Vec</a:t>
-            </a:r>
-            <a:endParaRPr lang="tr-TR" sz="2400" b="1" dirty="0">
-              <a:solidFill>
-                <a:srgbClr val="8316B5"/>
-              </a:solidFill>
-              <a:ea typeface="Arial" charset="0"/>
-              <a:cs typeface="Arial" charset="0"/>
-            </a:endParaRPr>
-          </a:p>
-        </p:txBody>
-      </p:sp>
-      <p:pic>
-        <p:nvPicPr>
-          <p:cNvPr id="15362" name="Picture 2" descr="word2vec vectors for sample words">
-            <a:extLst>
-              <a:ext uri="{FF2B5EF4-FFF2-40B4-BE49-F238E27FC236}">
-                <a16:creationId xmlns:a16="http://schemas.microsoft.com/office/drawing/2014/main" id="{25FEF65E-1A17-A69C-42AD-E4BAEE87C7FA}"/>
-              </a:ext>
-            </a:extLst>
-          </p:cNvPr>
-          <p:cNvPicPr>
-            <a:picLocks noChangeAspect="1" noChangeArrowheads="1"/>
-          </p:cNvPicPr>
-          <p:nvPr/>
-        </p:nvPicPr>
-        <p:blipFill>
-          <a:blip r:embed="rId3">
-            <a:extLst>
-              <a:ext uri="{28A0092B-C50C-407E-A947-70E740481C1C}">
-                <a14:useLocalDpi xmlns:a14="http://schemas.microsoft.com/office/drawing/2010/main" val="0"/>
-              </a:ext>
-            </a:extLst>
-          </a:blip>
-          <a:srcRect/>
-          <a:stretch>
-            <a:fillRect/>
-          </a:stretch>
-        </p:blipFill>
-        <p:spPr bwMode="auto">
-          <a:xfrm>
-            <a:off x="652248" y="782122"/>
-            <a:ext cx="4871730" cy="2719655"/>
-          </a:xfrm>
-          <a:prstGeom prst="rect">
-            <a:avLst/>
-          </a:prstGeom>
-          <a:noFill/>
-          <a:extLst>
-            <a:ext uri="{909E8E84-426E-40DD-AFC4-6F175D3DCCD1}">
-              <a14:hiddenFill xmlns:a14="http://schemas.microsoft.com/office/drawing/2010/main">
-                <a:solidFill>
-                  <a:srgbClr val="FFFFFF"/>
-                </a:solidFill>
-              </a14:hiddenFill>
-            </a:ext>
-          </a:extLst>
-        </p:spPr>
-      </p:pic>
-      <p:sp>
-        <p:nvSpPr>
-          <p:cNvPr id="4" name="TextBox 3">
-            <a:extLst>
-              <a:ext uri="{FF2B5EF4-FFF2-40B4-BE49-F238E27FC236}">
-                <a16:creationId xmlns:a16="http://schemas.microsoft.com/office/drawing/2014/main" id="{761815D2-F699-246A-B2BC-17A3E170A733}"/>
-              </a:ext>
-            </a:extLst>
-          </p:cNvPr>
-          <p:cNvSpPr txBox="1"/>
-          <p:nvPr/>
-        </p:nvSpPr>
-        <p:spPr>
-          <a:xfrm>
-            <a:off x="242565" y="4139444"/>
-            <a:ext cx="5531934" cy="1708160"/>
-          </a:xfrm>
-          <a:prstGeom prst="rect">
-            <a:avLst/>
-          </a:prstGeom>
-          <a:noFill/>
-        </p:spPr>
-        <p:txBody>
-          <a:bodyPr wrap="square" rtlCol="0">
-            <a:spAutoFit/>
-          </a:bodyPr>
-          <a:lstStyle/>
-          <a:p>
-            <a:pPr marL="285750" indent="-285750" algn="l">
-              <a:buFont typeface="Arial" panose="020B0604020202020204" pitchFamily="34" charset="0"/>
-              <a:buChar char="•"/>
-            </a:pPr>
-            <a:r>
-              <a:rPr lang="en-US" sz="1500" b="0" i="0" dirty="0">
-                <a:solidFill>
-                  <a:srgbClr val="292929"/>
-                </a:solidFill>
-                <a:effectLst/>
-                <a:latin typeface="source-serif-pro"/>
-              </a:rPr>
-              <a:t>CBOW — Predicts the center word based on the context (outside) words.</a:t>
-            </a:r>
-          </a:p>
-          <a:p>
-            <a:pPr marL="285750" indent="-285750" algn="l">
-              <a:buFont typeface="Arial" panose="020B0604020202020204" pitchFamily="34" charset="0"/>
-              <a:buChar char="•"/>
-            </a:pPr>
-            <a:r>
-              <a:rPr lang="en-US" sz="1500" b="0" i="0" dirty="0">
-                <a:solidFill>
-                  <a:srgbClr val="292929"/>
-                </a:solidFill>
-                <a:effectLst/>
-                <a:latin typeface="source-serif-pro"/>
-              </a:rPr>
-              <a:t>Skip-Gram — Predicts the context words based on the center word</a:t>
-            </a:r>
-          </a:p>
-          <a:p>
-            <a:pPr marL="285750" indent="-285750">
-              <a:buFont typeface="Arial" panose="020B0604020202020204" pitchFamily="34" charset="0"/>
-              <a:buChar char="•"/>
-            </a:pPr>
-            <a:r>
-              <a:rPr lang="en-US" sz="1500" b="0" i="0" dirty="0">
-                <a:solidFill>
-                  <a:srgbClr val="292929"/>
-                </a:solidFill>
-                <a:effectLst/>
-                <a:latin typeface="source-serif-pro"/>
-              </a:rPr>
-              <a:t>For a large corpus with higher dimensions, it is better to use skip-gram but it is slow to train.</a:t>
-            </a:r>
-          </a:p>
-          <a:p>
-            <a:pPr marL="285750" indent="-285750">
-              <a:buFont typeface="Arial" panose="020B0604020202020204" pitchFamily="34" charset="0"/>
-              <a:buChar char="•"/>
-            </a:pPr>
-            <a:endParaRPr lang="en-TR" sz="1500" dirty="0"/>
-          </a:p>
-        </p:txBody>
-      </p:sp>
-      <p:pic>
-        <p:nvPicPr>
-          <p:cNvPr id="15366" name="Picture 6">
-            <a:extLst>
-              <a:ext uri="{FF2B5EF4-FFF2-40B4-BE49-F238E27FC236}">
-                <a16:creationId xmlns:a16="http://schemas.microsoft.com/office/drawing/2014/main" id="{2EB16D75-C898-AB85-4ED3-A3620584AD85}"/>
-              </a:ext>
-            </a:extLst>
-          </p:cNvPr>
-          <p:cNvPicPr>
-            <a:picLocks noChangeAspect="1" noChangeArrowheads="1"/>
-          </p:cNvPicPr>
-          <p:nvPr/>
-        </p:nvPicPr>
-        <p:blipFill>
-          <a:blip r:embed="rId4">
-            <a:extLst>
-              <a:ext uri="{28A0092B-C50C-407E-A947-70E740481C1C}">
-                <a14:useLocalDpi xmlns:a14="http://schemas.microsoft.com/office/drawing/2010/main" val="0"/>
-              </a:ext>
-            </a:extLst>
-          </a:blip>
-          <a:srcRect/>
-          <a:stretch>
-            <a:fillRect/>
-          </a:stretch>
-        </p:blipFill>
-        <p:spPr bwMode="auto">
-          <a:xfrm>
-            <a:off x="5774499" y="1977314"/>
-            <a:ext cx="6323029" cy="3964573"/>
-          </a:xfrm>
-          <a:prstGeom prst="rect">
-            <a:avLst/>
-          </a:prstGeom>
-          <a:noFill/>
-          <a:extLst>
-            <a:ext uri="{909E8E84-426E-40DD-AFC4-6F175D3DCCD1}">
-              <a14:hiddenFill xmlns:a14="http://schemas.microsoft.com/office/drawing/2010/main">
-                <a:solidFill>
-                  <a:srgbClr val="FFFFFF"/>
-                </a:solidFill>
-              </a14:hiddenFill>
-            </a:ext>
-          </a:extLst>
-        </p:spPr>
-      </p:pic>
-    </p:spTree>
-    <p:extLst>
-      <p:ext uri="{BB962C8B-B14F-4D97-AF65-F5344CB8AC3E}">
-        <p14:creationId xmlns:p14="http://schemas.microsoft.com/office/powerpoint/2010/main" val="1020904669"/>
-      </p:ext>
-    </p:extLst>
-  </p:cSld>
-  <p:clrMapOvr>
-    <a:masterClrMapping/>
-  </p:clrMapOvr>
-</p:sld>
-</file>
-
-<file path=ppt/slides/slide18.xml><?xml version="1.0" encoding="utf-8"?>
-<p:sld xmlns:a="http://schemas.openxmlformats.org/drawingml/2006/main" xmlns:r="http://schemas.openxmlformats.org/officeDocument/2006/relationships" xmlns:p="http://schemas.openxmlformats.org/presentationml/2006/main">
-  <p:cSld>
-    <p:spTree>
-      <p:nvGrpSpPr>
-        <p:cNvPr id="1" name=""/>
-        <p:cNvGrpSpPr/>
-        <p:nvPr/>
-      </p:nvGrpSpPr>
-      <p:grpSpPr>
-        <a:xfrm>
-          <a:off x="0" y="0"/>
-          <a:ext cx="0" cy="0"/>
-          <a:chOff x="0" y="0"/>
-          <a:chExt cx="0" cy="0"/>
-        </a:xfrm>
-      </p:grpSpPr>
-      <p:sp>
-        <p:nvSpPr>
-          <p:cNvPr id="5" name="Rectangle 4"/>
-          <p:cNvSpPr/>
-          <p:nvPr/>
-        </p:nvSpPr>
-        <p:spPr>
-          <a:xfrm>
-            <a:off x="4155311" y="0"/>
-            <a:ext cx="3865945" cy="81023"/>
-          </a:xfrm>
-          <a:prstGeom prst="rect">
-            <a:avLst/>
-          </a:prstGeom>
-          <a:solidFill>
-            <a:srgbClr val="8316B5"/>
-          </a:solidFill>
-          <a:ln>
-            <a:noFill/>
-          </a:ln>
-        </p:spPr>
-        <p:style>
-          <a:lnRef idx="2">
-            <a:schemeClr val="accent1">
-              <a:shade val="50000"/>
-            </a:schemeClr>
-          </a:lnRef>
-          <a:fillRef idx="1">
-            <a:schemeClr val="accent1"/>
-          </a:fillRef>
-          <a:effectRef idx="0">
-            <a:schemeClr val="accent1"/>
-          </a:effectRef>
-          <a:fontRef idx="minor">
-            <a:schemeClr val="lt1"/>
-          </a:fontRef>
-        </p:style>
-        <p:txBody>
-          <a:bodyPr rtlCol="0" anchor="ctr"/>
-          <a:lstStyle/>
-          <a:p>
-            <a:endParaRPr lang="en-US">
-              <a:solidFill>
-                <a:srgbClr val="8316B5"/>
-              </a:solidFill>
-            </a:endParaRPr>
-          </a:p>
-        </p:txBody>
-      </p:sp>
-      <p:sp>
-        <p:nvSpPr>
-          <p:cNvPr id="2" name="TextBox 1"/>
-          <p:cNvSpPr txBox="1"/>
-          <p:nvPr/>
-        </p:nvSpPr>
-        <p:spPr>
-          <a:xfrm>
-            <a:off x="4052337" y="80688"/>
-            <a:ext cx="4081938" cy="461665"/>
-          </a:xfrm>
-          <a:prstGeom prst="rect">
-            <a:avLst/>
-          </a:prstGeom>
-          <a:noFill/>
-        </p:spPr>
-        <p:txBody>
-          <a:bodyPr wrap="square" lIns="91440" tIns="45720" rIns="91440" bIns="45720" rtlCol="0" anchor="t">
-            <a:spAutoFit/>
-          </a:bodyPr>
-          <a:lstStyle/>
-          <a:p>
-            <a:pPr algn="ctr"/>
-            <a:r>
-              <a:rPr lang="tr-TR" sz="2400" b="1" dirty="0">
-                <a:solidFill>
-                  <a:srgbClr val="8316B5"/>
-                </a:solidFill>
-                <a:ea typeface="Arial" charset="0"/>
-                <a:cs typeface="Arial"/>
-              </a:rPr>
-              <a:t>Word2Vec</a:t>
-            </a:r>
-            <a:endParaRPr lang="tr-TR" sz="2400" b="1" dirty="0">
-              <a:solidFill>
-                <a:srgbClr val="8316B5"/>
-              </a:solidFill>
-              <a:ea typeface="Arial" charset="0"/>
-              <a:cs typeface="Arial" charset="0"/>
-            </a:endParaRPr>
-          </a:p>
-        </p:txBody>
-      </p:sp>
-      <p:sp>
-        <p:nvSpPr>
-          <p:cNvPr id="3" name="TextBox 2">
-            <a:extLst>
-              <a:ext uri="{FF2B5EF4-FFF2-40B4-BE49-F238E27FC236}">
-                <a16:creationId xmlns:a16="http://schemas.microsoft.com/office/drawing/2014/main" id="{20FE95B1-8B23-A155-F549-57BBFED15288}"/>
-              </a:ext>
-            </a:extLst>
-          </p:cNvPr>
-          <p:cNvSpPr txBox="1"/>
-          <p:nvPr/>
-        </p:nvSpPr>
-        <p:spPr>
-          <a:xfrm>
-            <a:off x="1979113" y="1615858"/>
-            <a:ext cx="5240665" cy="646331"/>
-          </a:xfrm>
-          <a:prstGeom prst="rect">
-            <a:avLst/>
-          </a:prstGeom>
-          <a:noFill/>
-        </p:spPr>
-        <p:txBody>
-          <a:bodyPr wrap="none" rtlCol="0">
-            <a:spAutoFit/>
-          </a:bodyPr>
-          <a:lstStyle/>
-          <a:p>
-            <a:pPr marL="285750" indent="-285750">
-              <a:buFont typeface="Arial" panose="020B0604020202020204" pitchFamily="34" charset="0"/>
-              <a:buChar char="•"/>
-            </a:pPr>
-            <a:r>
-              <a:rPr lang="en-TR" dirty="0"/>
-              <a:t>Pretrained </a:t>
-            </a:r>
-            <a:r>
-              <a:rPr lang="en-US" dirty="0">
-                <a:solidFill>
-                  <a:srgbClr val="292929"/>
-                </a:solidFill>
-                <a:latin typeface="source-serif-pro"/>
-              </a:rPr>
-              <a:t>E</a:t>
-            </a:r>
-            <a:r>
-              <a:rPr lang="en-US" b="0" i="0" dirty="0">
-                <a:solidFill>
-                  <a:srgbClr val="292929"/>
-                </a:solidFill>
-                <a:effectLst/>
-                <a:latin typeface="source-serif-pro"/>
-              </a:rPr>
-              <a:t>mbeddings : GLOVE, Google Word2vec</a:t>
-            </a:r>
-          </a:p>
-          <a:p>
-            <a:pPr marL="285750" indent="-285750">
-              <a:buFont typeface="Arial" panose="020B0604020202020204" pitchFamily="34" charset="0"/>
-              <a:buChar char="•"/>
-            </a:pPr>
-            <a:r>
-              <a:rPr lang="en-US" dirty="0" err="1">
-                <a:solidFill>
-                  <a:srgbClr val="292929"/>
-                </a:solidFill>
-                <a:latin typeface="source-serif-pro"/>
-              </a:rPr>
-              <a:t>FastText</a:t>
-            </a:r>
-            <a:r>
-              <a:rPr lang="en-US" dirty="0">
-                <a:solidFill>
-                  <a:srgbClr val="292929"/>
-                </a:solidFill>
-                <a:latin typeface="source-serif-pro"/>
-              </a:rPr>
-              <a:t> -&gt; Facebook – char based</a:t>
-            </a:r>
-            <a:endParaRPr lang="en-TR" dirty="0"/>
-          </a:p>
-        </p:txBody>
-      </p:sp>
-      <p:pic>
-        <p:nvPicPr>
-          <p:cNvPr id="16386" name="Picture 2" descr="FastText vs. Word2vec: A Quick Comparison - Kavita Ganesan, PhD">
-            <a:extLst>
-              <a:ext uri="{FF2B5EF4-FFF2-40B4-BE49-F238E27FC236}">
-                <a16:creationId xmlns:a16="http://schemas.microsoft.com/office/drawing/2014/main" id="{18628947-4E7C-664E-BDD0-7658F020E1AB}"/>
-              </a:ext>
-            </a:extLst>
-          </p:cNvPr>
-          <p:cNvPicPr>
-            <a:picLocks noChangeAspect="1" noChangeArrowheads="1"/>
-          </p:cNvPicPr>
-          <p:nvPr/>
-        </p:nvPicPr>
-        <p:blipFill>
-          <a:blip r:embed="rId3">
-            <a:extLst>
-              <a:ext uri="{28A0092B-C50C-407E-A947-70E740481C1C}">
-                <a14:useLocalDpi xmlns:a14="http://schemas.microsoft.com/office/drawing/2010/main" val="0"/>
-              </a:ext>
-            </a:extLst>
-          </a:blip>
-          <a:srcRect/>
-          <a:stretch>
-            <a:fillRect/>
-          </a:stretch>
-        </p:blipFill>
-        <p:spPr bwMode="auto">
-          <a:xfrm>
-            <a:off x="1979113" y="2638202"/>
-            <a:ext cx="6875286" cy="3354388"/>
-          </a:xfrm>
-          <a:prstGeom prst="rect">
-            <a:avLst/>
-          </a:prstGeom>
-          <a:noFill/>
-          <a:extLst>
-            <a:ext uri="{909E8E84-426E-40DD-AFC4-6F175D3DCCD1}">
-              <a14:hiddenFill xmlns:a14="http://schemas.microsoft.com/office/drawing/2010/main">
-                <a:solidFill>
-                  <a:srgbClr val="FFFFFF"/>
-                </a:solidFill>
-              </a14:hiddenFill>
-            </a:ext>
-          </a:extLst>
-        </p:spPr>
-      </p:pic>
-    </p:spTree>
-    <p:extLst>
-      <p:ext uri="{BB962C8B-B14F-4D97-AF65-F5344CB8AC3E}">
-        <p14:creationId xmlns:p14="http://schemas.microsoft.com/office/powerpoint/2010/main" val="3522477375"/>
-      </p:ext>
-    </p:extLst>
-  </p:cSld>
-  <p:clrMapOvr>
-    <a:masterClrMapping/>
-  </p:clrMapOvr>
-</p:sld>
-</file>
-
-<file path=ppt/slides/slide19.xml><?xml version="1.0" encoding="utf-8"?>
-<p:sld xmlns:a="http://schemas.openxmlformats.org/drawingml/2006/main" xmlns:r="http://schemas.openxmlformats.org/officeDocument/2006/relationships" xmlns:p="http://schemas.openxmlformats.org/presentationml/2006/main">
-  <p:cSld>
-    <p:spTree>
-      <p:nvGrpSpPr>
-        <p:cNvPr id="1" name=""/>
-        <p:cNvGrpSpPr/>
-        <p:nvPr/>
-      </p:nvGrpSpPr>
-      <p:grpSpPr>
-        <a:xfrm>
-          <a:off x="0" y="0"/>
-          <a:ext cx="0" cy="0"/>
-          <a:chOff x="0" y="0"/>
-          <a:chExt cx="0" cy="0"/>
-        </a:xfrm>
-      </p:grpSpPr>
-      <p:sp>
-        <p:nvSpPr>
-          <p:cNvPr id="5" name="Rectangle 4"/>
-          <p:cNvSpPr/>
-          <p:nvPr/>
-        </p:nvSpPr>
-        <p:spPr>
-          <a:xfrm>
-            <a:off x="4155311" y="0"/>
-            <a:ext cx="3865945" cy="81023"/>
-          </a:xfrm>
-          <a:prstGeom prst="rect">
-            <a:avLst/>
-          </a:prstGeom>
-          <a:solidFill>
-            <a:srgbClr val="8316B5"/>
-          </a:solidFill>
-          <a:ln>
-            <a:noFill/>
-          </a:ln>
-        </p:spPr>
-        <p:style>
-          <a:lnRef idx="2">
-            <a:schemeClr val="accent1">
-              <a:shade val="50000"/>
-            </a:schemeClr>
-          </a:lnRef>
-          <a:fillRef idx="1">
-            <a:schemeClr val="accent1"/>
-          </a:fillRef>
-          <a:effectRef idx="0">
-            <a:schemeClr val="accent1"/>
-          </a:effectRef>
-          <a:fontRef idx="minor">
-            <a:schemeClr val="lt1"/>
-          </a:fontRef>
-        </p:style>
-        <p:txBody>
-          <a:bodyPr rtlCol="0" anchor="ctr"/>
-          <a:lstStyle/>
-          <a:p>
-            <a:endParaRPr lang="en-US">
-              <a:solidFill>
-                <a:srgbClr val="8316B5"/>
-              </a:solidFill>
-            </a:endParaRPr>
-          </a:p>
-        </p:txBody>
-      </p:sp>
-      <p:sp>
-        <p:nvSpPr>
-          <p:cNvPr id="2" name="TextBox 1"/>
-          <p:cNvSpPr txBox="1"/>
-          <p:nvPr/>
-        </p:nvSpPr>
-        <p:spPr>
-          <a:xfrm>
-            <a:off x="4052337" y="80688"/>
-            <a:ext cx="4081938" cy="461665"/>
-          </a:xfrm>
-          <a:prstGeom prst="rect">
-            <a:avLst/>
-          </a:prstGeom>
-          <a:noFill/>
-        </p:spPr>
-        <p:txBody>
-          <a:bodyPr wrap="square" lIns="91440" tIns="45720" rIns="91440" bIns="45720" rtlCol="0" anchor="t">
-            <a:spAutoFit/>
-          </a:bodyPr>
-          <a:lstStyle/>
-          <a:p>
-            <a:pPr algn="ctr"/>
-            <a:r>
-              <a:rPr lang="tr-TR" sz="2400" b="1" dirty="0">
-                <a:solidFill>
-                  <a:srgbClr val="8316B5"/>
-                </a:solidFill>
-                <a:ea typeface="Arial" charset="0"/>
-                <a:cs typeface="Arial"/>
-              </a:rPr>
-              <a:t>Doc2Vec</a:t>
-            </a:r>
-            <a:endParaRPr lang="tr-TR" sz="2400" b="1" dirty="0">
-              <a:solidFill>
-                <a:srgbClr val="8316B5"/>
-              </a:solidFill>
-              <a:ea typeface="Arial" charset="0"/>
-              <a:cs typeface="Arial" charset="0"/>
-            </a:endParaRPr>
-          </a:p>
-        </p:txBody>
-      </p:sp>
-      <p:pic>
-        <p:nvPicPr>
-          <p:cNvPr id="17410" name="Picture 2">
-            <a:extLst>
-              <a:ext uri="{FF2B5EF4-FFF2-40B4-BE49-F238E27FC236}">
-                <a16:creationId xmlns:a16="http://schemas.microsoft.com/office/drawing/2014/main" id="{F691B41B-DF10-AE21-0E32-1AE08C0C57DA}"/>
-              </a:ext>
-            </a:extLst>
-          </p:cNvPr>
-          <p:cNvPicPr>
-            <a:picLocks noChangeAspect="1" noChangeArrowheads="1"/>
-          </p:cNvPicPr>
-          <p:nvPr/>
-        </p:nvPicPr>
-        <p:blipFill>
-          <a:blip r:embed="rId3">
-            <a:extLst>
-              <a:ext uri="{28A0092B-C50C-407E-A947-70E740481C1C}">
-                <a14:useLocalDpi xmlns:a14="http://schemas.microsoft.com/office/drawing/2010/main" val="0"/>
-              </a:ext>
-            </a:extLst>
-          </a:blip>
-          <a:srcRect/>
-          <a:stretch>
-            <a:fillRect/>
-          </a:stretch>
-        </p:blipFill>
-        <p:spPr bwMode="auto">
-          <a:xfrm>
-            <a:off x="6856852" y="3894029"/>
-            <a:ext cx="5335148" cy="2963971"/>
-          </a:xfrm>
-          <a:prstGeom prst="rect">
-            <a:avLst/>
-          </a:prstGeom>
-          <a:noFill/>
-          <a:extLst>
-            <a:ext uri="{909E8E84-426E-40DD-AFC4-6F175D3DCCD1}">
-              <a14:hiddenFill xmlns:a14="http://schemas.microsoft.com/office/drawing/2010/main">
-                <a:solidFill>
-                  <a:srgbClr val="FFFFFF"/>
-                </a:solidFill>
-              </a14:hiddenFill>
-            </a:ext>
-          </a:extLst>
-        </p:spPr>
-      </p:pic>
-      <p:sp>
-        <p:nvSpPr>
-          <p:cNvPr id="7" name="TextBox 6">
-            <a:extLst>
-              <a:ext uri="{FF2B5EF4-FFF2-40B4-BE49-F238E27FC236}">
-                <a16:creationId xmlns:a16="http://schemas.microsoft.com/office/drawing/2014/main" id="{6A275660-3D31-2CF8-AB0A-B49E320CAA9E}"/>
-              </a:ext>
-            </a:extLst>
-          </p:cNvPr>
-          <p:cNvSpPr txBox="1"/>
-          <p:nvPr/>
-        </p:nvSpPr>
-        <p:spPr>
-          <a:xfrm>
-            <a:off x="508630" y="797720"/>
-            <a:ext cx="10314191" cy="923330"/>
-          </a:xfrm>
-          <a:prstGeom prst="rect">
-            <a:avLst/>
-          </a:prstGeom>
-          <a:noFill/>
-        </p:spPr>
-        <p:txBody>
-          <a:bodyPr wrap="square">
-            <a:spAutoFit/>
-          </a:bodyPr>
-          <a:lstStyle/>
-          <a:p>
-            <a:r>
-              <a:rPr lang="en-US" b="0" i="0" dirty="0">
-                <a:solidFill>
-                  <a:srgbClr val="1D1E1E"/>
-                </a:solidFill>
-                <a:effectLst/>
-                <a:latin typeface="Calibri" panose="020F0502020204030204" pitchFamily="34" charset="0"/>
-                <a:cs typeface="Calibri" panose="020F0502020204030204" pitchFamily="34" charset="0"/>
-              </a:rPr>
-              <a:t>After this idea is proved to be effective and helpful, say, you can easily cluster and find similar words in a huge corpus, people then began thinking further: is it possible to have a higher level of representation on sentences, paragraphs or even documents.</a:t>
-            </a:r>
-            <a:endParaRPr lang="en-TR" dirty="0">
-              <a:latin typeface="Calibri" panose="020F0502020204030204" pitchFamily="34" charset="0"/>
-              <a:cs typeface="Calibri" panose="020F0502020204030204" pitchFamily="34" charset="0"/>
-            </a:endParaRPr>
-          </a:p>
-        </p:txBody>
-      </p:sp>
-      <p:sp>
-        <p:nvSpPr>
-          <p:cNvPr id="11" name="TextBox 10">
-            <a:extLst>
-              <a:ext uri="{FF2B5EF4-FFF2-40B4-BE49-F238E27FC236}">
-                <a16:creationId xmlns:a16="http://schemas.microsoft.com/office/drawing/2014/main" id="{A654E161-8B88-3603-A5FF-164EB8C288C9}"/>
-              </a:ext>
-            </a:extLst>
-          </p:cNvPr>
-          <p:cNvSpPr txBox="1"/>
-          <p:nvPr/>
-        </p:nvSpPr>
-        <p:spPr>
-          <a:xfrm>
-            <a:off x="186314" y="1976417"/>
-            <a:ext cx="11484864" cy="2031325"/>
-          </a:xfrm>
-          <a:prstGeom prst="rect">
-            <a:avLst/>
-          </a:prstGeom>
-          <a:noFill/>
-        </p:spPr>
-        <p:txBody>
-          <a:bodyPr wrap="square">
-            <a:spAutoFit/>
-          </a:bodyPr>
-          <a:lstStyle/>
-          <a:p>
-            <a:pPr marL="285750" indent="-285750">
-              <a:buFont typeface="Arial" panose="020B0604020202020204" pitchFamily="34" charset="0"/>
-              <a:buChar char="•"/>
-            </a:pPr>
-            <a:r>
-              <a:rPr lang="en-US" dirty="0"/>
-              <a:t>Doc2Vec is an algorithm that learns to represent documents as fixed-length vectors. It does this by training a neural network to predict the words in a document based on its context (similar to word2vec).</a:t>
-            </a:r>
-          </a:p>
-          <a:p>
-            <a:pPr marL="285750" indent="-285750">
-              <a:buFont typeface="Arial" panose="020B0604020202020204" pitchFamily="34" charset="0"/>
-              <a:buChar char="•"/>
-            </a:pPr>
-            <a:r>
-              <a:rPr lang="en-US" dirty="0"/>
-              <a:t>In addition to predicting words, the network also learns a vector representation for each document in the corpus. This is done by adding a unique "document ID" to each word in the document,</a:t>
-            </a:r>
-          </a:p>
-          <a:p>
-            <a:pPr marL="285750" indent="-285750">
-              <a:buFont typeface="Arial" panose="020B0604020202020204" pitchFamily="34" charset="0"/>
-              <a:buChar char="•"/>
-            </a:pPr>
-            <a:r>
-              <a:rPr lang="en-US" dirty="0"/>
-              <a:t>After training, you can use the vectors learned by Doc2Vec to perform various tasks, such as document classification, similarity search, or clustering. The vectors are often more useful than traditional bag-of-words representations, as they capture not only the words in the document, but also its overall meaning and context.</a:t>
-            </a:r>
-          </a:p>
-        </p:txBody>
-      </p:sp>
-    </p:spTree>
-    <p:extLst>
-      <p:ext uri="{BB962C8B-B14F-4D97-AF65-F5344CB8AC3E}">
-        <p14:creationId xmlns:p14="http://schemas.microsoft.com/office/powerpoint/2010/main" val="2289656084"/>
+        <p14:creationId xmlns:p14="http://schemas.microsoft.com/office/powerpoint/2010/main" val="389906180"/>
       </p:ext>
     </p:extLst>
   </p:cSld>
@@ -11979,450 +10613,6 @@
     <p:extLst>
       <p:ext uri="{BB962C8B-B14F-4D97-AF65-F5344CB8AC3E}">
         <p14:creationId xmlns:p14="http://schemas.microsoft.com/office/powerpoint/2010/main" val="2767299390"/>
-      </p:ext>
-    </p:extLst>
-  </p:cSld>
-  <p:clrMapOvr>
-    <a:masterClrMapping/>
-  </p:clrMapOvr>
-</p:sld>
-</file>
-
-<file path=ppt/slides/slide20.xml><?xml version="1.0" encoding="utf-8"?>
-<p:sld xmlns:a="http://schemas.openxmlformats.org/drawingml/2006/main" xmlns:r="http://schemas.openxmlformats.org/officeDocument/2006/relationships" xmlns:p="http://schemas.openxmlformats.org/presentationml/2006/main">
-  <p:cSld>
-    <p:spTree>
-      <p:nvGrpSpPr>
-        <p:cNvPr id="1" name=""/>
-        <p:cNvGrpSpPr/>
-        <p:nvPr/>
-      </p:nvGrpSpPr>
-      <p:grpSpPr>
-        <a:xfrm>
-          <a:off x="0" y="0"/>
-          <a:ext cx="0" cy="0"/>
-          <a:chOff x="0" y="0"/>
-          <a:chExt cx="0" cy="0"/>
-        </a:xfrm>
-      </p:grpSpPr>
-      <p:sp>
-        <p:nvSpPr>
-          <p:cNvPr id="5" name="Rectangle 4"/>
-          <p:cNvSpPr/>
-          <p:nvPr/>
-        </p:nvSpPr>
-        <p:spPr>
-          <a:xfrm>
-            <a:off x="4155311" y="0"/>
-            <a:ext cx="3865945" cy="81023"/>
-          </a:xfrm>
-          <a:prstGeom prst="rect">
-            <a:avLst/>
-          </a:prstGeom>
-          <a:solidFill>
-            <a:srgbClr val="8316B5"/>
-          </a:solidFill>
-          <a:ln>
-            <a:noFill/>
-          </a:ln>
-        </p:spPr>
-        <p:style>
-          <a:lnRef idx="2">
-            <a:schemeClr val="accent1">
-              <a:shade val="50000"/>
-            </a:schemeClr>
-          </a:lnRef>
-          <a:fillRef idx="1">
-            <a:schemeClr val="accent1"/>
-          </a:fillRef>
-          <a:effectRef idx="0">
-            <a:schemeClr val="accent1"/>
-          </a:effectRef>
-          <a:fontRef idx="minor">
-            <a:schemeClr val="lt1"/>
-          </a:fontRef>
-        </p:style>
-        <p:txBody>
-          <a:bodyPr rtlCol="0" anchor="ctr"/>
-          <a:lstStyle/>
-          <a:p>
-            <a:endParaRPr lang="en-US">
-              <a:solidFill>
-                <a:srgbClr val="8316B5"/>
-              </a:solidFill>
-            </a:endParaRPr>
-          </a:p>
-        </p:txBody>
-      </p:sp>
-      <p:sp>
-        <p:nvSpPr>
-          <p:cNvPr id="2" name="TextBox 1"/>
-          <p:cNvSpPr txBox="1"/>
-          <p:nvPr/>
-        </p:nvSpPr>
-        <p:spPr>
-          <a:xfrm>
-            <a:off x="4052337" y="80688"/>
-            <a:ext cx="4081938" cy="461665"/>
-          </a:xfrm>
-          <a:prstGeom prst="rect">
-            <a:avLst/>
-          </a:prstGeom>
-          <a:noFill/>
-        </p:spPr>
-        <p:txBody>
-          <a:bodyPr wrap="square" lIns="91440" tIns="45720" rIns="91440" bIns="45720" rtlCol="0" anchor="t">
-            <a:spAutoFit/>
-          </a:bodyPr>
-          <a:lstStyle/>
-          <a:p>
-            <a:pPr algn="ctr"/>
-            <a:r>
-              <a:rPr lang="tr-TR" sz="2400" b="1" dirty="0">
-                <a:solidFill>
-                  <a:srgbClr val="8316B5"/>
-                </a:solidFill>
-                <a:ea typeface="Arial" charset="0"/>
-                <a:cs typeface="Arial"/>
-              </a:rPr>
-              <a:t>THE END</a:t>
-            </a:r>
-            <a:endParaRPr lang="tr-TR" sz="2400" b="1" dirty="0">
-              <a:solidFill>
-                <a:srgbClr val="8316B5"/>
-              </a:solidFill>
-              <a:ea typeface="Arial" charset="0"/>
-              <a:cs typeface="Arial" charset="0"/>
-            </a:endParaRPr>
-          </a:p>
-        </p:txBody>
-      </p:sp>
-      <p:sp>
-        <p:nvSpPr>
-          <p:cNvPr id="3" name="TextBox 2">
-            <a:extLst>
-              <a:ext uri="{FF2B5EF4-FFF2-40B4-BE49-F238E27FC236}">
-                <a16:creationId xmlns:a16="http://schemas.microsoft.com/office/drawing/2014/main" id="{AFB1884B-C5D1-F45B-3D8A-217080E44F81}"/>
-              </a:ext>
-            </a:extLst>
-          </p:cNvPr>
-          <p:cNvSpPr txBox="1"/>
-          <p:nvPr/>
-        </p:nvSpPr>
-        <p:spPr>
-          <a:xfrm>
-            <a:off x="5376672" y="2414016"/>
-            <a:ext cx="1608004" cy="461665"/>
-          </a:xfrm>
-          <a:prstGeom prst="rect">
-            <a:avLst/>
-          </a:prstGeom>
-          <a:noFill/>
-        </p:spPr>
-        <p:txBody>
-          <a:bodyPr wrap="none" rtlCol="0">
-            <a:spAutoFit/>
-          </a:bodyPr>
-          <a:lstStyle/>
-          <a:p>
-            <a:r>
-              <a:rPr lang="en-TR" sz="2400" dirty="0"/>
-              <a:t>HomeWork</a:t>
-            </a:r>
-          </a:p>
-        </p:txBody>
-      </p:sp>
-      <p:sp>
-        <p:nvSpPr>
-          <p:cNvPr id="4" name="TextBox 3">
-            <a:extLst>
-              <a:ext uri="{FF2B5EF4-FFF2-40B4-BE49-F238E27FC236}">
-                <a16:creationId xmlns:a16="http://schemas.microsoft.com/office/drawing/2014/main" id="{4C2BE697-A410-7FDD-86E0-C4A9EB4D08B0}"/>
-              </a:ext>
-            </a:extLst>
-          </p:cNvPr>
-          <p:cNvSpPr txBox="1"/>
-          <p:nvPr/>
-        </p:nvSpPr>
-        <p:spPr>
-          <a:xfrm>
-            <a:off x="2417523" y="3244334"/>
-            <a:ext cx="8749639" cy="1200329"/>
-          </a:xfrm>
-          <a:prstGeom prst="rect">
-            <a:avLst/>
-          </a:prstGeom>
-          <a:noFill/>
-        </p:spPr>
-        <p:txBody>
-          <a:bodyPr wrap="none" rtlCol="0">
-            <a:spAutoFit/>
-          </a:bodyPr>
-          <a:lstStyle/>
-          <a:p>
-            <a:pPr marL="285750" indent="-285750">
-              <a:buFont typeface="Arial" panose="020B0604020202020204" pitchFamily="34" charset="0"/>
-              <a:buChar char="•"/>
-            </a:pPr>
-            <a:r>
-              <a:rPr lang="en-TR" dirty="0"/>
-              <a:t>Download new files ends with _sub.csv</a:t>
-            </a:r>
-          </a:p>
-          <a:p>
-            <a:pPr marL="285750" indent="-285750">
-              <a:buFont typeface="Arial" panose="020B0604020202020204" pitchFamily="34" charset="0"/>
-              <a:buChar char="•"/>
-            </a:pPr>
-            <a:r>
-              <a:rPr lang="en-TR" dirty="0"/>
-              <a:t>Your target label -&gt; </a:t>
-            </a:r>
-            <a:r>
-              <a:rPr lang="en-US" sz="1800" dirty="0">
-                <a:solidFill>
-                  <a:srgbClr val="9876AA"/>
-                </a:solidFill>
-                <a:effectLst/>
-                <a:latin typeface="JetBrains Mono"/>
-              </a:rPr>
-              <a:t>sub-classification</a:t>
-            </a:r>
-            <a:endParaRPr lang="en-US" sz="1800" dirty="0">
-              <a:solidFill>
-                <a:srgbClr val="A9B7C6"/>
-              </a:solidFill>
-              <a:effectLst/>
-              <a:latin typeface="JetBrains Mono"/>
-            </a:endParaRPr>
-          </a:p>
-          <a:p>
-            <a:pPr marL="285750" indent="-285750">
-              <a:buFont typeface="Arial" panose="020B0604020202020204" pitchFamily="34" charset="0"/>
-              <a:buChar char="•"/>
-            </a:pPr>
-            <a:r>
-              <a:rPr lang="en-TR" dirty="0"/>
-              <a:t>Send your .ipynb files to me with header “ANLP – Homework” until 11 May 2023 – 11:00</a:t>
-            </a:r>
-          </a:p>
-          <a:p>
-            <a:pPr marL="285750" indent="-285750">
-              <a:buFont typeface="Arial" panose="020B0604020202020204" pitchFamily="34" charset="0"/>
-              <a:buChar char="•"/>
-            </a:pPr>
-            <a:r>
-              <a:rPr lang="en-US" dirty="0"/>
-              <a:t>c</a:t>
-            </a:r>
-            <a:r>
-              <a:rPr lang="en-TR" dirty="0"/>
-              <a:t>an.kara@kariyer.net</a:t>
-            </a:r>
-          </a:p>
-        </p:txBody>
-      </p:sp>
-    </p:spTree>
-    <p:extLst>
-      <p:ext uri="{BB962C8B-B14F-4D97-AF65-F5344CB8AC3E}">
-        <p14:creationId xmlns:p14="http://schemas.microsoft.com/office/powerpoint/2010/main" val="389906180"/>
-      </p:ext>
-    </p:extLst>
-  </p:cSld>
-  <p:clrMapOvr>
-    <a:masterClrMapping/>
-  </p:clrMapOvr>
-</p:sld>
-</file>
-
-<file path=ppt/slides/slide21.xml><?xml version="1.0" encoding="utf-8"?>
-<p:sld xmlns:a="http://schemas.openxmlformats.org/drawingml/2006/main" xmlns:r="http://schemas.openxmlformats.org/officeDocument/2006/relationships" xmlns:p="http://schemas.openxmlformats.org/presentationml/2006/main">
-  <p:cSld>
-    <p:spTree>
-      <p:nvGrpSpPr>
-        <p:cNvPr id="1" name=""/>
-        <p:cNvGrpSpPr/>
-        <p:nvPr/>
-      </p:nvGrpSpPr>
-      <p:grpSpPr>
-        <a:xfrm>
-          <a:off x="0" y="0"/>
-          <a:ext cx="0" cy="0"/>
-          <a:chOff x="0" y="0"/>
-          <a:chExt cx="0" cy="0"/>
-        </a:xfrm>
-      </p:grpSpPr>
-      <p:sp>
-        <p:nvSpPr>
-          <p:cNvPr id="5" name="Rectangle 4"/>
-          <p:cNvSpPr/>
-          <p:nvPr/>
-        </p:nvSpPr>
-        <p:spPr>
-          <a:xfrm>
-            <a:off x="4155311" y="0"/>
-            <a:ext cx="3865945" cy="81023"/>
-          </a:xfrm>
-          <a:prstGeom prst="rect">
-            <a:avLst/>
-          </a:prstGeom>
-          <a:solidFill>
-            <a:srgbClr val="8316B5"/>
-          </a:solidFill>
-          <a:ln>
-            <a:noFill/>
-          </a:ln>
-        </p:spPr>
-        <p:style>
-          <a:lnRef idx="2">
-            <a:schemeClr val="accent1">
-              <a:shade val="50000"/>
-            </a:schemeClr>
-          </a:lnRef>
-          <a:fillRef idx="1">
-            <a:schemeClr val="accent1"/>
-          </a:fillRef>
-          <a:effectRef idx="0">
-            <a:schemeClr val="accent1"/>
-          </a:effectRef>
-          <a:fontRef idx="minor">
-            <a:schemeClr val="lt1"/>
-          </a:fontRef>
-        </p:style>
-        <p:txBody>
-          <a:bodyPr rtlCol="0" anchor="ctr"/>
-          <a:lstStyle/>
-          <a:p>
-            <a:endParaRPr lang="en-US">
-              <a:solidFill>
-                <a:srgbClr val="8316B5"/>
-              </a:solidFill>
-            </a:endParaRPr>
-          </a:p>
-        </p:txBody>
-      </p:sp>
-      <p:sp>
-        <p:nvSpPr>
-          <p:cNvPr id="2" name="TextBox 1"/>
-          <p:cNvSpPr txBox="1"/>
-          <p:nvPr/>
-        </p:nvSpPr>
-        <p:spPr>
-          <a:xfrm>
-            <a:off x="4052337" y="80688"/>
-            <a:ext cx="4081938" cy="461665"/>
-          </a:xfrm>
-          <a:prstGeom prst="rect">
-            <a:avLst/>
-          </a:prstGeom>
-          <a:noFill/>
-        </p:spPr>
-        <p:txBody>
-          <a:bodyPr wrap="square" lIns="91440" tIns="45720" rIns="91440" bIns="45720" rtlCol="0" anchor="t">
-            <a:spAutoFit/>
-          </a:bodyPr>
-          <a:lstStyle/>
-          <a:p>
-            <a:pPr algn="ctr"/>
-            <a:r>
-              <a:rPr lang="tr-TR" sz="2400" b="1" dirty="0">
-                <a:solidFill>
-                  <a:srgbClr val="8316B5"/>
-                </a:solidFill>
-                <a:ea typeface="Arial" charset="0"/>
-                <a:cs typeface="Arial"/>
-              </a:rPr>
-              <a:t>THE END</a:t>
-            </a:r>
-            <a:endParaRPr lang="tr-TR" sz="2400" b="1" dirty="0">
-              <a:solidFill>
-                <a:srgbClr val="8316B5"/>
-              </a:solidFill>
-              <a:ea typeface="Arial" charset="0"/>
-              <a:cs typeface="Arial" charset="0"/>
-            </a:endParaRPr>
-          </a:p>
-        </p:txBody>
-      </p:sp>
-      <p:sp>
-        <p:nvSpPr>
-          <p:cNvPr id="15" name="TextBox 14">
-            <a:extLst>
-              <a:ext uri="{FF2B5EF4-FFF2-40B4-BE49-F238E27FC236}">
-                <a16:creationId xmlns:a16="http://schemas.microsoft.com/office/drawing/2014/main" id="{7690615F-46D3-333A-BAED-8E8B2CB09413}"/>
-              </a:ext>
-            </a:extLst>
-          </p:cNvPr>
-          <p:cNvSpPr txBox="1"/>
-          <p:nvPr/>
-        </p:nvSpPr>
-        <p:spPr>
-          <a:xfrm>
-            <a:off x="60518" y="6606903"/>
-            <a:ext cx="6096000" cy="261610"/>
-          </a:xfrm>
-          <a:prstGeom prst="rect">
-            <a:avLst/>
-          </a:prstGeom>
-          <a:noFill/>
-        </p:spPr>
-        <p:txBody>
-          <a:bodyPr wrap="square">
-            <a:spAutoFit/>
-          </a:bodyPr>
-          <a:lstStyle/>
-          <a:p>
-            <a:r>
-              <a:rPr lang="en-US" sz="1050" dirty="0"/>
-              <a:t>Slide credit: Pedro </a:t>
-            </a:r>
-            <a:r>
-              <a:rPr lang="en-US" sz="1050" dirty="0" err="1"/>
-              <a:t>Domingos</a:t>
-            </a:r>
-            <a:endParaRPr lang="en-TR" sz="1050" dirty="0"/>
-          </a:p>
-        </p:txBody>
-      </p:sp>
-      <p:sp>
-        <p:nvSpPr>
-          <p:cNvPr id="3" name="TextBox 2">
-            <a:extLst>
-              <a:ext uri="{FF2B5EF4-FFF2-40B4-BE49-F238E27FC236}">
-                <a16:creationId xmlns:a16="http://schemas.microsoft.com/office/drawing/2014/main" id="{AFB1884B-C5D1-F45B-3D8A-217080E44F81}"/>
-              </a:ext>
-            </a:extLst>
-          </p:cNvPr>
-          <p:cNvSpPr txBox="1"/>
-          <p:nvPr/>
-        </p:nvSpPr>
-        <p:spPr>
-          <a:xfrm>
-            <a:off x="5376672" y="2414016"/>
-            <a:ext cx="1902124" cy="461665"/>
-          </a:xfrm>
-          <a:prstGeom prst="rect">
-            <a:avLst/>
-          </a:prstGeom>
-          <a:noFill/>
-        </p:spPr>
-        <p:txBody>
-          <a:bodyPr wrap="none" rtlCol="0">
-            <a:spAutoFit/>
-          </a:bodyPr>
-          <a:lstStyle/>
-          <a:p>
-            <a:r>
-              <a:rPr lang="en-TR" sz="2400" dirty="0"/>
-              <a:t>TEŞEKKÜRLER</a:t>
-            </a:r>
-          </a:p>
-        </p:txBody>
-      </p:sp>
-    </p:spTree>
-    <p:extLst>
-      <p:ext uri="{BB962C8B-B14F-4D97-AF65-F5344CB8AC3E}">
-        <p14:creationId xmlns:p14="http://schemas.microsoft.com/office/powerpoint/2010/main" val="3379274640"/>
       </p:ext>
     </p:extLst>
   </p:cSld>
